--- a/Our SuperChat.pptx
+++ b/Our SuperChat.pptx
@@ -9691,7 +9691,6 @@
             <a:off x="1125538" y="5056188"/>
             <a:ext cx="6891337" cy="738187"/>
           </a:xfrm>
-          <a:ln/>
         </p:spPr>
         <p:txBody>
           <a:bodyPr vert="horz" wrap="square" lIns="0" tIns="0" rIns="0" bIns="0" anchor="ctr"/>
@@ -9725,7 +9724,6 @@
             <a:off x="1119188" y="5846763"/>
             <a:ext cx="6916737" cy="422275"/>
           </a:xfrm>
-          <a:ln/>
         </p:spPr>
         <p:txBody>
           <a:bodyPr vert="horz" wrap="square" anchor="ctr"/>
@@ -9799,9 +9797,7 @@
             <p:ph type="title"/>
           </p:nvPr>
         </p:nvSpPr>
-        <p:spPr>
-          <a:ln/>
-        </p:spPr>
+        <p:spPr/>
         <p:txBody>
           <a:bodyPr vert="horz" wrap="square" lIns="0" tIns="0" rIns="0" bIns="0" anchor="b"/>
           <a:p>
@@ -9824,9 +9820,7 @@
             <p:ph type="body"/>
           </p:nvPr>
         </p:nvSpPr>
-        <p:spPr>
-          <a:ln/>
-        </p:spPr>
+        <p:spPr/>
         <p:txBody>
           <a:bodyPr vert="horz" wrap="square" anchor="t"/>
           <a:p>
@@ -9958,6 +9952,14 @@
             <a:endParaRPr lang="en-US"/>
           </a:p>
           <a:p>
+            <a:pPr lvl="0" eaLnBrk="1" hangingPunct="1"/>
+            <a:r>
+              <a:rPr lang="en-US"/>
+              <a:t>Entity Manager</a:t>
+            </a:r>
+            <a:endParaRPr lang="en-US"/>
+          </a:p>
+          <a:p>
             <a:pPr lvl="2" eaLnBrk="1" hangingPunct="1"/>
             <a:r>
               <a:rPr lang="en-US"/>
@@ -9969,15 +9971,23 @@
             <a:pPr lvl="2" eaLnBrk="1" hangingPunct="1"/>
             <a:r>
               <a:rPr lang="en-US"/>
-              <a:t>Participants</a:t>
+              <a:t>Subscribers</a:t>
             </a:r>
             <a:endParaRPr lang="en-US"/>
           </a:p>
           <a:p>
-            <a:pPr lvl="0" eaLnBrk="1" hangingPunct="1"/>
+            <a:pPr lvl="2" eaLnBrk="1" hangingPunct="1"/>
             <a:r>
               <a:rPr lang="en-US"/>
-              <a:t>Entity Manager</a:t>
+              <a:t>Readers</a:t>
+            </a:r>
+            <a:endParaRPr lang="en-US"/>
+          </a:p>
+          <a:p>
+            <a:pPr lvl="0" eaLnBrk="1" hangingPunct="1"/>
+            <a:r>
+              <a:rPr lang="en-US"/>
+              <a:t>DDS Manager</a:t>
             </a:r>
             <a:endParaRPr lang="en-US"/>
           </a:p>
@@ -9993,15 +10003,7 @@
             <a:pPr lvl="2" eaLnBrk="1" hangingPunct="1"/>
             <a:r>
               <a:rPr lang="en-US"/>
-              <a:t>Subscribers</a:t>
-            </a:r>
-            <a:endParaRPr lang="en-US"/>
-          </a:p>
-          <a:p>
-            <a:pPr lvl="2" eaLnBrk="1" hangingPunct="1"/>
-            <a:r>
-              <a:rPr lang="en-US"/>
-              <a:t>Readers</a:t>
+              <a:t>Participants</a:t>
             </a:r>
             <a:endParaRPr lang="en-US"/>
           </a:p>

--- a/Our SuperChat.pptx
+++ b/Our SuperChat.pptx
@@ -9844,6 +9844,14 @@
             <a:r>
               <a:rPr lang="en-US"/>
               <a:t>User Integration</a:t>
+            </a:r>
+            <a:endParaRPr lang="en-US"/>
+          </a:p>
+          <a:p>
+            <a:pPr lvl="0" eaLnBrk="1" hangingPunct="1"/>
+            <a:r>
+              <a:rPr lang="en-US"/>
+              <a:t>SLOC </a:t>
             </a:r>
             <a:endParaRPr lang="en-US"/>
           </a:p>

--- a/Our SuperChat.pptx
+++ b/Our SuperChat.pptx
@@ -9758,14 +9758,14 @@
             <a:r>
               <a:rPr lang="en-US">
                 <a:solidFill>
-                  <a:schemeClr val="folHlink"/>
+                  <a:schemeClr val="tx1"/>
                 </a:solidFill>
               </a:rPr>
               <a:t>Khanh, Tyler, Grant, and Caleb</a:t>
             </a:r>
             <a:endParaRPr lang="en-US">
               <a:solidFill>
-                <a:schemeClr val="folHlink"/>
+                <a:schemeClr val="tx1"/>
               </a:solidFill>
             </a:endParaRPr>
           </a:p>
@@ -10206,12 +10206,6 @@
             <a:endParaRPr lang="en-US"/>
           </a:p>
           <a:p>
-            <a:pPr marL="0" lvl="0" indent="0" eaLnBrk="1" hangingPunct="1">
-              <a:buNone/>
-            </a:pPr>
-            <a:endParaRPr lang="en-US"/>
-          </a:p>
-          <a:p>
             <a:pPr lvl="0" eaLnBrk="1" hangingPunct="1"/>
             <a:r>
               <a:rPr lang="en-US"/>
@@ -10220,9 +10214,11 @@
             <a:endParaRPr lang="en-US"/>
           </a:p>
           <a:p>
-            <a:pPr marL="0" lvl="0" indent="0" eaLnBrk="1" hangingPunct="1">
-              <a:buNone/>
-            </a:pPr>
+            <a:pPr lvl="2" eaLnBrk="1" hangingPunct="1"/>
+            <a:r>
+              <a:rPr lang="en-US"/>
+              <a:t>User Description Integration</a:t>
+            </a:r>
             <a:endParaRPr lang="en-US"/>
           </a:p>
           <a:p>
